--- a/Presentations/Tensorflow-Week3.pptx
+++ b/Presentations/Tensorflow-Week3.pptx
@@ -229,7 +229,7 @@
           <a:p>
             <a:fld id="{9ECE5BDF-9B7E-3646-B6C9-FC2C3E116129}" type="datetimeFigureOut">
               <a:rPr lang="en-US" smtClean="0"/>
-              <a:t>4/20/20</a:t>
+              <a:t>5/5/20</a:t>
             </a:fld>
             <a:endParaRPr lang="en-US"/>
           </a:p>
@@ -2086,7 +2086,7 @@
               <a:pPr>
                 <a:defRPr/>
               </a:pPr>
-              <a:t>4/20/20</a:t>
+              <a:t>5/5/20</a:t>
             </a:fld>
             <a:endParaRPr lang="en-US" dirty="0"/>
           </a:p>
@@ -6119,7 +6119,7 @@
           <a:p>
             <a:r>
               <a:rPr lang="en-US" dirty="0"/>
-              <a:t>New week – Convolutional Neural Networks</a:t>
+              <a:t>New week – Regressions</a:t>
             </a:r>
           </a:p>
         </p:txBody>
@@ -6257,6 +6257,19 @@
           <a:bodyPr/>
           <a:lstStyle/>
           <a:p>
+            <a:r>
+              <a:rPr lang="en-US" dirty="0" err="1"/>
+              <a:t>tf.random.set_seed</a:t>
+            </a:r>
+            <a:r>
+              <a:rPr lang="en-US"/>
+              <a:t>(1234)</a:t>
+            </a:r>
+          </a:p>
+          <a:p>
+            <a:pPr marL="0" indent="0">
+              <a:buNone/>
+            </a:pPr>
             <a:endParaRPr lang="en-US" dirty="0"/>
           </a:p>
         </p:txBody>
@@ -11732,6 +11745,15 @@
 </file>
 
 <file path=customXml/item1.xml><?xml version="1.0" encoding="utf-8"?>
+<?mso-contentType ?>
+<FormTemplates xmlns="http://schemas.microsoft.com/sharepoint/v3/contenttype/forms">
+  <Display>DocumentLibraryForm</Display>
+  <Edit>DocumentLibraryForm</Edit>
+  <New>DocumentLibraryForm</New>
+</FormTemplates>
+</file>
+
+<file path=customXml/item2.xml><?xml version="1.0" encoding="utf-8"?>
 <ct:contentTypeSchema xmlns:ct="http://schemas.microsoft.com/office/2006/metadata/contentType" xmlns:ma="http://schemas.microsoft.com/office/2006/metadata/properties/metaAttributes" ct:_="" ma:_="" ma:contentTypeName="Document" ma:contentTypeID="0x01010048D9CE1393071B489BF600220B5AAF8D" ma:contentTypeVersion="10" ma:contentTypeDescription="Create a new document." ma:contentTypeScope="" ma:versionID="d9386e682046a7a51a31dad2d2f8bda6">
   <xsd:schema xmlns:xsd="http://www.w3.org/2001/XMLSchema" xmlns:xs="http://www.w3.org/2001/XMLSchema" xmlns:p="http://schemas.microsoft.com/office/2006/metadata/properties" xmlns:ns2="30b37a6d-16ce-47e4-86a8-845424d2b9c1" xmlns:ns3="95019713-393c-4a4d-a828-5ce659f37839" targetNamespace="http://schemas.microsoft.com/office/2006/metadata/properties" ma:root="true" ma:fieldsID="e2c97f914c92a1a387d4835726ac5a88" ns2:_="" ns3:_="">
     <xsd:import namespace="30b37a6d-16ce-47e4-86a8-845424d2b9c1"/>
@@ -11934,15 +11956,6 @@
 </ct:contentTypeSchema>
 </file>
 
-<file path=customXml/item2.xml><?xml version="1.0" encoding="utf-8"?>
-<?mso-contentType ?>
-<FormTemplates xmlns="http://schemas.microsoft.com/sharepoint/v3/contenttype/forms">
-  <Display>DocumentLibraryForm</Display>
-  <Edit>DocumentLibraryForm</Edit>
-  <New>DocumentLibraryForm</New>
-</FormTemplates>
-</file>
-
 <file path=customXml/item3.xml><?xml version="1.0" encoding="utf-8"?>
 <p:properties xmlns:p="http://schemas.microsoft.com/office/2006/metadata/properties" xmlns:xsi="http://www.w3.org/2001/XMLSchema-instance" xmlns:pc="http://schemas.microsoft.com/office/infopath/2007/PartnerControls">
   <documentManagement/>
@@ -11950,6 +11963,14 @@
 </file>
 
 <file path=customXml/itemProps1.xml><?xml version="1.0" encoding="utf-8"?>
+<ds:datastoreItem xmlns:ds="http://schemas.openxmlformats.org/officeDocument/2006/customXml" ds:itemID="{D18D97D8-3C52-47EE-88EC-CF46155D7428}">
+  <ds:schemaRefs>
+    <ds:schemaRef ds:uri="http://schemas.microsoft.com/sharepoint/v3/contenttype/forms"/>
+  </ds:schemaRefs>
+</ds:datastoreItem>
+</file>
+
+<file path=customXml/itemProps2.xml><?xml version="1.0" encoding="utf-8"?>
 <ds:datastoreItem xmlns:ds="http://schemas.openxmlformats.org/officeDocument/2006/customXml" ds:itemID="{3AE07A9E-BE61-4C9A-A4B3-CA1782BD8A92}">
   <ds:schemaRefs>
     <ds:schemaRef ds:uri="30b37a6d-16ce-47e4-86a8-845424d2b9c1"/>
@@ -11964,14 +11985,6 @@
     <ds:schemaRef ds:uri="http://schemas.microsoft.com/office/infopath/2007/PartnerControls"/>
     <ds:schemaRef ds:uri="http://schemas.openxmlformats.org/package/2006/metadata/core-properties"/>
     <ds:schemaRef ds:uri="http://www.w3.org/2001/XMLSchema"/>
-  </ds:schemaRefs>
-</ds:datastoreItem>
-</file>
-
-<file path=customXml/itemProps2.xml><?xml version="1.0" encoding="utf-8"?>
-<ds:datastoreItem xmlns:ds="http://schemas.openxmlformats.org/officeDocument/2006/customXml" ds:itemID="{D18D97D8-3C52-47EE-88EC-CF46155D7428}">
-  <ds:schemaRefs>
-    <ds:schemaRef ds:uri="http://schemas.microsoft.com/sharepoint/v3/contenttype/forms"/>
   </ds:schemaRefs>
 </ds:datastoreItem>
 </file>
